--- a/opt.pptx
+++ b/opt.pptx
@@ -5,11 +5,13 @@
     <p:sldMasterId id="2147483648" r:id="rId1"/>
   </p:sldMasterIdLst>
   <p:notesMasterIdLst>
-    <p:notesMasterId r:id="rId4"/>
+    <p:notesMasterId r:id="rId6"/>
   </p:notesMasterIdLst>
   <p:sldIdLst>
     <p:sldId id="256" r:id="rId2"/>
     <p:sldId id="257" r:id="rId3"/>
+    <p:sldId id="258" r:id="rId4"/>
+    <p:sldId id="259" r:id="rId5"/>
   </p:sldIdLst>
   <p:sldSz cx="12192000" cy="6858000"/>
   <p:notesSz cx="6858000" cy="9144000"/>
@@ -108,6 +110,11 @@
       </a:defRPr>
     </a:lvl9pPr>
   </p:defaultTextStyle>
+  <p:extLst>
+    <p:ext uri="{EFAFB233-063F-42B5-8137-9DF3F51BA10A}">
+      <p15:sldGuideLst xmlns:p15="http://schemas.microsoft.com/office/powerpoint/2012/main"/>
+    </p:ext>
+  </p:extLst>
 </p:presentation>
 </file>
 
@@ -193,7 +200,7 @@
           <a:p>
             <a:fld id="{29553E10-C22B-4C6A-BFD6-3E2C1F0EA5F8}" type="datetimeFigureOut">
               <a:rPr lang="zh-CN" altLang="en-US" smtClean="0"/>
-              <a:t>2020/6/15</a:t>
+              <a:t>2020/9/2</a:t>
             </a:fld>
             <a:endParaRPr lang="zh-CN" altLang="en-US"/>
           </a:p>
@@ -1108,6 +1115,236 @@
 </p:notes>
 </file>
 
+<file path=ppt/notesSlides/notesSlide3.xml><?xml version="1.0" encoding="utf-8"?>
+<p:notes xmlns:a="http://schemas.openxmlformats.org/drawingml/2006/main" xmlns:r="http://schemas.openxmlformats.org/officeDocument/2006/relationships" xmlns:p="http://schemas.openxmlformats.org/presentationml/2006/main">
+  <p:cSld>
+    <p:spTree>
+      <p:nvGrpSpPr>
+        <p:cNvPr id="1" name=""/>
+        <p:cNvGrpSpPr/>
+        <p:nvPr/>
+      </p:nvGrpSpPr>
+      <p:grpSpPr>
+        <a:xfrm>
+          <a:off x="0" y="0"/>
+          <a:ext cx="0" cy="0"/>
+          <a:chOff x="0" y="0"/>
+          <a:chExt cx="0" cy="0"/>
+        </a:xfrm>
+      </p:grpSpPr>
+      <p:sp>
+        <p:nvSpPr>
+          <p:cNvPr id="2" name="幻灯片图像占位符 1"/>
+          <p:cNvSpPr>
+            <a:spLocks noGrp="1" noRot="1" noChangeAspect="1"/>
+          </p:cNvSpPr>
+          <p:nvPr>
+            <p:ph type="sldImg"/>
+          </p:nvPr>
+        </p:nvSpPr>
+        <p:spPr/>
+      </p:sp>
+      <p:sp>
+        <p:nvSpPr>
+          <p:cNvPr id="3" name="备注占位符 2"/>
+          <p:cNvSpPr>
+            <a:spLocks noGrp="1"/>
+          </p:cNvSpPr>
+          <p:nvPr>
+            <p:ph type="body" idx="1"/>
+          </p:nvPr>
+        </p:nvSpPr>
+        <p:spPr/>
+        <p:txBody>
+          <a:bodyPr/>
+          <a:lstStyle/>
+          <a:p>
+            <a:r>
+              <a:rPr lang="zh-CN" altLang="en-US" dirty="0"/>
+              <a:t>约束编程问题 或是约束满足问题 即不需要找到一个最优解 而是要找到满足约束的解  著名的八皇后问题  图着色问题</a:t>
+            </a:r>
+            <a:endParaRPr lang="en-US" altLang="zh-CN" dirty="0"/>
+          </a:p>
+          <a:p>
+            <a:endParaRPr lang="en-US" altLang="zh-CN" dirty="0"/>
+          </a:p>
+          <a:p>
+            <a:r>
+              <a:rPr lang="zh-CN" altLang="en-US" dirty="0"/>
+              <a:t>注意分支定界虽然是精确算法 但由于是一个迭代算法，存在收敛的问题，因而通常设置</a:t>
+            </a:r>
+            <a:r>
+              <a:rPr lang="en-US" altLang="zh-CN" dirty="0"/>
+              <a:t>gap </a:t>
+            </a:r>
+            <a:r>
+              <a:rPr lang="zh-CN" altLang="en-US" dirty="0"/>
+              <a:t>提供终止条件</a:t>
+            </a:r>
+            <a:endParaRPr lang="en-US" altLang="zh-CN" dirty="0"/>
+          </a:p>
+          <a:p>
+            <a:endParaRPr lang="en-US" altLang="zh-CN" dirty="0"/>
+          </a:p>
+          <a:p>
+            <a:r>
+              <a:rPr lang="zh-CN" altLang="en-US" dirty="0"/>
+              <a:t>基本所有的启发式都是为了跳出局部最优解</a:t>
+            </a:r>
+          </a:p>
+        </p:txBody>
+      </p:sp>
+      <p:sp>
+        <p:nvSpPr>
+          <p:cNvPr id="4" name="灯片编号占位符 3"/>
+          <p:cNvSpPr>
+            <a:spLocks noGrp="1"/>
+          </p:cNvSpPr>
+          <p:nvPr>
+            <p:ph type="sldNum" sz="quarter" idx="5"/>
+          </p:nvPr>
+        </p:nvSpPr>
+        <p:spPr/>
+        <p:txBody>
+          <a:bodyPr/>
+          <a:lstStyle/>
+          <a:p>
+            <a:fld id="{7CC1C8F1-E81A-4000-8BDC-1F3283CDE20D}" type="slidenum">
+              <a:rPr lang="zh-CN" altLang="en-US" smtClean="0"/>
+              <a:t>3</a:t>
+            </a:fld>
+            <a:endParaRPr lang="zh-CN" altLang="en-US"/>
+          </a:p>
+        </p:txBody>
+      </p:sp>
+    </p:spTree>
+    <p:extLst>
+      <p:ext uri="{BB962C8B-B14F-4D97-AF65-F5344CB8AC3E}">
+        <p14:creationId xmlns:p14="http://schemas.microsoft.com/office/powerpoint/2010/main" val="2755844834"/>
+      </p:ext>
+    </p:extLst>
+  </p:cSld>
+  <p:clrMapOvr>
+    <a:masterClrMapping/>
+  </p:clrMapOvr>
+</p:notes>
+</file>
+
+<file path=ppt/notesSlides/notesSlide4.xml><?xml version="1.0" encoding="utf-8"?>
+<p:notes xmlns:a="http://schemas.openxmlformats.org/drawingml/2006/main" xmlns:r="http://schemas.openxmlformats.org/officeDocument/2006/relationships" xmlns:p="http://schemas.openxmlformats.org/presentationml/2006/main">
+  <p:cSld>
+    <p:spTree>
+      <p:nvGrpSpPr>
+        <p:cNvPr id="1" name=""/>
+        <p:cNvGrpSpPr/>
+        <p:nvPr/>
+      </p:nvGrpSpPr>
+      <p:grpSpPr>
+        <a:xfrm>
+          <a:off x="0" y="0"/>
+          <a:ext cx="0" cy="0"/>
+          <a:chOff x="0" y="0"/>
+          <a:chExt cx="0" cy="0"/>
+        </a:xfrm>
+      </p:grpSpPr>
+      <p:sp>
+        <p:nvSpPr>
+          <p:cNvPr id="2" name="幻灯片图像占位符 1"/>
+          <p:cNvSpPr>
+            <a:spLocks noGrp="1" noRot="1" noChangeAspect="1"/>
+          </p:cNvSpPr>
+          <p:nvPr>
+            <p:ph type="sldImg"/>
+          </p:nvPr>
+        </p:nvSpPr>
+        <p:spPr/>
+      </p:sp>
+      <p:sp>
+        <p:nvSpPr>
+          <p:cNvPr id="3" name="备注占位符 2"/>
+          <p:cNvSpPr>
+            <a:spLocks noGrp="1"/>
+          </p:cNvSpPr>
+          <p:nvPr>
+            <p:ph type="body" idx="1"/>
+          </p:nvPr>
+        </p:nvSpPr>
+        <p:spPr/>
+        <p:txBody>
+          <a:bodyPr/>
+          <a:lstStyle/>
+          <a:p>
+            <a:r>
+              <a:rPr lang="zh-CN" altLang="en-US" dirty="0"/>
+              <a:t>约束编程问题 或是约束满足问题 即不需要找到一个最优解 而是要找到满足约束的解  著名的八皇后问题  图着色问题</a:t>
+            </a:r>
+            <a:endParaRPr lang="en-US" altLang="zh-CN" dirty="0"/>
+          </a:p>
+          <a:p>
+            <a:endParaRPr lang="en-US" altLang="zh-CN" dirty="0"/>
+          </a:p>
+          <a:p>
+            <a:r>
+              <a:rPr lang="zh-CN" altLang="en-US" dirty="0"/>
+              <a:t>注意分支定界虽然是精确算法 但由于是一个迭代算法，存在收敛的问题，因而通常设置</a:t>
+            </a:r>
+            <a:r>
+              <a:rPr lang="en-US" altLang="zh-CN" dirty="0"/>
+              <a:t>gap </a:t>
+            </a:r>
+            <a:r>
+              <a:rPr lang="zh-CN" altLang="en-US" dirty="0"/>
+              <a:t>提供终止条件</a:t>
+            </a:r>
+            <a:endParaRPr lang="en-US" altLang="zh-CN" dirty="0"/>
+          </a:p>
+          <a:p>
+            <a:endParaRPr lang="en-US" altLang="zh-CN" dirty="0"/>
+          </a:p>
+          <a:p>
+            <a:r>
+              <a:rPr lang="zh-CN" altLang="en-US" dirty="0"/>
+              <a:t>基本所有的启发式都是为了跳出局部最优解</a:t>
+            </a:r>
+          </a:p>
+        </p:txBody>
+      </p:sp>
+      <p:sp>
+        <p:nvSpPr>
+          <p:cNvPr id="4" name="灯片编号占位符 3"/>
+          <p:cNvSpPr>
+            <a:spLocks noGrp="1"/>
+          </p:cNvSpPr>
+          <p:nvPr>
+            <p:ph type="sldNum" sz="quarter" idx="5"/>
+          </p:nvPr>
+        </p:nvSpPr>
+        <p:spPr/>
+        <p:txBody>
+          <a:bodyPr/>
+          <a:lstStyle/>
+          <a:p>
+            <a:fld id="{7CC1C8F1-E81A-4000-8BDC-1F3283CDE20D}" type="slidenum">
+              <a:rPr lang="zh-CN" altLang="en-US" smtClean="0"/>
+              <a:t>4</a:t>
+            </a:fld>
+            <a:endParaRPr lang="zh-CN" altLang="en-US"/>
+          </a:p>
+        </p:txBody>
+      </p:sp>
+    </p:spTree>
+    <p:extLst>
+      <p:ext uri="{BB962C8B-B14F-4D97-AF65-F5344CB8AC3E}">
+        <p14:creationId xmlns:p14="http://schemas.microsoft.com/office/powerpoint/2010/main" val="673950228"/>
+      </p:ext>
+    </p:extLst>
+  </p:cSld>
+  <p:clrMapOvr>
+    <a:masterClrMapping/>
+  </p:clrMapOvr>
+</p:notes>
+</file>
+
 <file path=ppt/slideLayouts/slideLayout1.xml><?xml version="1.0" encoding="utf-8"?>
 <p:sldLayout xmlns:a="http://schemas.openxmlformats.org/drawingml/2006/main" xmlns:r="http://schemas.openxmlformats.org/officeDocument/2006/relationships" xmlns:p="http://schemas.openxmlformats.org/presentationml/2006/main" type="title" preserve="1">
   <p:cSld name="标题幻灯片">
@@ -1255,7 +1492,7 @@
           <a:p>
             <a:fld id="{A70D288E-5099-4FCC-97C0-39C653294A42}" type="datetimeFigureOut">
               <a:rPr lang="zh-CN" altLang="en-US" smtClean="0"/>
-              <a:t>2020/6/15</a:t>
+              <a:t>2020/9/2</a:t>
             </a:fld>
             <a:endParaRPr lang="zh-CN" altLang="en-US"/>
           </a:p>
@@ -1453,7 +1690,7 @@
           <a:p>
             <a:fld id="{A70D288E-5099-4FCC-97C0-39C653294A42}" type="datetimeFigureOut">
               <a:rPr lang="zh-CN" altLang="en-US" smtClean="0"/>
-              <a:t>2020/6/15</a:t>
+              <a:t>2020/9/2</a:t>
             </a:fld>
             <a:endParaRPr lang="zh-CN" altLang="en-US"/>
           </a:p>
@@ -1661,7 +1898,7 @@
           <a:p>
             <a:fld id="{A70D288E-5099-4FCC-97C0-39C653294A42}" type="datetimeFigureOut">
               <a:rPr lang="zh-CN" altLang="en-US" smtClean="0"/>
-              <a:t>2020/6/15</a:t>
+              <a:t>2020/9/2</a:t>
             </a:fld>
             <a:endParaRPr lang="zh-CN" altLang="en-US"/>
           </a:p>
@@ -1859,7 +2096,7 @@
           <a:p>
             <a:fld id="{A70D288E-5099-4FCC-97C0-39C653294A42}" type="datetimeFigureOut">
               <a:rPr lang="zh-CN" altLang="en-US" smtClean="0"/>
-              <a:t>2020/6/15</a:t>
+              <a:t>2020/9/2</a:t>
             </a:fld>
             <a:endParaRPr lang="zh-CN" altLang="en-US"/>
           </a:p>
@@ -2134,7 +2371,7 @@
           <a:p>
             <a:fld id="{A70D288E-5099-4FCC-97C0-39C653294A42}" type="datetimeFigureOut">
               <a:rPr lang="zh-CN" altLang="en-US" smtClean="0"/>
-              <a:t>2020/6/15</a:t>
+              <a:t>2020/9/2</a:t>
             </a:fld>
             <a:endParaRPr lang="zh-CN" altLang="en-US"/>
           </a:p>
@@ -2399,7 +2636,7 @@
           <a:p>
             <a:fld id="{A70D288E-5099-4FCC-97C0-39C653294A42}" type="datetimeFigureOut">
               <a:rPr lang="zh-CN" altLang="en-US" smtClean="0"/>
-              <a:t>2020/6/15</a:t>
+              <a:t>2020/9/2</a:t>
             </a:fld>
             <a:endParaRPr lang="zh-CN" altLang="en-US"/>
           </a:p>
@@ -2811,7 +3048,7 @@
           <a:p>
             <a:fld id="{A70D288E-5099-4FCC-97C0-39C653294A42}" type="datetimeFigureOut">
               <a:rPr lang="zh-CN" altLang="en-US" smtClean="0"/>
-              <a:t>2020/6/15</a:t>
+              <a:t>2020/9/2</a:t>
             </a:fld>
             <a:endParaRPr lang="zh-CN" altLang="en-US"/>
           </a:p>
@@ -2952,7 +3189,7 @@
           <a:p>
             <a:fld id="{A70D288E-5099-4FCC-97C0-39C653294A42}" type="datetimeFigureOut">
               <a:rPr lang="zh-CN" altLang="en-US" smtClean="0"/>
-              <a:t>2020/6/15</a:t>
+              <a:t>2020/9/2</a:t>
             </a:fld>
             <a:endParaRPr lang="zh-CN" altLang="en-US"/>
           </a:p>
@@ -3065,7 +3302,7 @@
           <a:p>
             <a:fld id="{A70D288E-5099-4FCC-97C0-39C653294A42}" type="datetimeFigureOut">
               <a:rPr lang="zh-CN" altLang="en-US" smtClean="0"/>
-              <a:t>2020/6/15</a:t>
+              <a:t>2020/9/2</a:t>
             </a:fld>
             <a:endParaRPr lang="zh-CN" altLang="en-US"/>
           </a:p>
@@ -3376,7 +3613,7 @@
           <a:p>
             <a:fld id="{A70D288E-5099-4FCC-97C0-39C653294A42}" type="datetimeFigureOut">
               <a:rPr lang="zh-CN" altLang="en-US" smtClean="0"/>
-              <a:t>2020/6/15</a:t>
+              <a:t>2020/9/2</a:t>
             </a:fld>
             <a:endParaRPr lang="zh-CN" altLang="en-US"/>
           </a:p>
@@ -3664,7 +3901,7 @@
           <a:p>
             <a:fld id="{A70D288E-5099-4FCC-97C0-39C653294A42}" type="datetimeFigureOut">
               <a:rPr lang="zh-CN" altLang="en-US" smtClean="0"/>
-              <a:t>2020/6/15</a:t>
+              <a:t>2020/9/2</a:t>
             </a:fld>
             <a:endParaRPr lang="zh-CN" altLang="en-US"/>
           </a:p>
@@ -3905,7 +4142,7 @@
           <a:p>
             <a:fld id="{A70D288E-5099-4FCC-97C0-39C653294A42}" type="datetimeFigureOut">
               <a:rPr lang="zh-CN" altLang="en-US" smtClean="0"/>
-              <a:t>2020/6/15</a:t>
+              <a:t>2020/9/2</a:t>
             </a:fld>
             <a:endParaRPr lang="zh-CN" altLang="en-US"/>
           </a:p>
@@ -5623,6 +5860,982 @@
     <p:extLst>
       <p:ext uri="{BB962C8B-B14F-4D97-AF65-F5344CB8AC3E}">
         <p14:creationId xmlns:p14="http://schemas.microsoft.com/office/powerpoint/2010/main" val="211252288"/>
+      </p:ext>
+    </p:extLst>
+  </p:cSld>
+  <p:clrMapOvr>
+    <a:masterClrMapping/>
+  </p:clrMapOvr>
+</p:sld>
+</file>
+
+<file path=ppt/slides/slide3.xml><?xml version="1.0" encoding="utf-8"?>
+<p:sld xmlns:a="http://schemas.openxmlformats.org/drawingml/2006/main" xmlns:r="http://schemas.openxmlformats.org/officeDocument/2006/relationships" xmlns:p="http://schemas.openxmlformats.org/presentationml/2006/main">
+  <p:cSld>
+    <p:spTree>
+      <p:nvGrpSpPr>
+        <p:cNvPr id="1" name=""/>
+        <p:cNvGrpSpPr/>
+        <p:nvPr/>
+      </p:nvGrpSpPr>
+      <p:grpSpPr>
+        <a:xfrm>
+          <a:off x="0" y="0"/>
+          <a:ext cx="0" cy="0"/>
+          <a:chOff x="0" y="0"/>
+          <a:chExt cx="0" cy="0"/>
+        </a:xfrm>
+      </p:grpSpPr>
+      <p:sp>
+        <p:nvSpPr>
+          <p:cNvPr id="5" name="文本框 4">
+            <a:extLst>
+              <a:ext uri="{FF2B5EF4-FFF2-40B4-BE49-F238E27FC236}">
+                <a16:creationId xmlns:a16="http://schemas.microsoft.com/office/drawing/2014/main" id="{B584CB9A-432B-4FE3-829C-B43AF590545B}"/>
+              </a:ext>
+            </a:extLst>
+          </p:cNvPr>
+          <p:cNvSpPr txBox="1"/>
+          <p:nvPr/>
+        </p:nvSpPr>
+        <p:spPr>
+          <a:xfrm>
+            <a:off x="4316507" y="618565"/>
+            <a:ext cx="2404826" cy="369332"/>
+          </a:xfrm>
+          <a:prstGeom prst="rect">
+            <a:avLst/>
+          </a:prstGeom>
+          <a:noFill/>
+        </p:spPr>
+        <p:txBody>
+          <a:bodyPr wrap="none" rtlCol="0">
+            <a:spAutoFit/>
+          </a:bodyPr>
+          <a:lstStyle/>
+          <a:p>
+            <a:r>
+              <a:rPr lang="en-US" altLang="zh-CN" dirty="0"/>
+              <a:t>Optimization methods</a:t>
+            </a:r>
+            <a:endParaRPr lang="zh-CN" altLang="en-US" dirty="0"/>
+          </a:p>
+        </p:txBody>
+      </p:sp>
+      <p:cxnSp>
+        <p:nvCxnSpPr>
+          <p:cNvPr id="7" name="直接箭头连接符 6">
+            <a:extLst>
+              <a:ext uri="{FF2B5EF4-FFF2-40B4-BE49-F238E27FC236}">
+                <a16:creationId xmlns:a16="http://schemas.microsoft.com/office/drawing/2014/main" id="{18291C5E-BC80-476F-9854-E9618308D87F}"/>
+              </a:ext>
+            </a:extLst>
+          </p:cNvPr>
+          <p:cNvCxnSpPr>
+            <a:cxnSpLocks/>
+          </p:cNvCxnSpPr>
+          <p:nvPr/>
+        </p:nvCxnSpPr>
+        <p:spPr>
+          <a:xfrm flipH="1">
+            <a:off x="3671047" y="981881"/>
+            <a:ext cx="1847873" cy="484556"/>
+          </a:xfrm>
+          <a:prstGeom prst="straightConnector1">
+            <a:avLst/>
+          </a:prstGeom>
+          <a:ln>
+            <a:tailEnd type="triangle"/>
+          </a:ln>
+        </p:spPr>
+        <p:style>
+          <a:lnRef idx="1">
+            <a:schemeClr val="dk1"/>
+          </a:lnRef>
+          <a:fillRef idx="0">
+            <a:schemeClr val="dk1"/>
+          </a:fillRef>
+          <a:effectRef idx="0">
+            <a:schemeClr val="dk1"/>
+          </a:effectRef>
+          <a:fontRef idx="minor">
+            <a:schemeClr val="tx1"/>
+          </a:fontRef>
+        </p:style>
+      </p:cxnSp>
+      <p:sp>
+        <p:nvSpPr>
+          <p:cNvPr id="12" name="文本框 11">
+            <a:extLst>
+              <a:ext uri="{FF2B5EF4-FFF2-40B4-BE49-F238E27FC236}">
+                <a16:creationId xmlns:a16="http://schemas.microsoft.com/office/drawing/2014/main" id="{3DC7037F-2081-4C0F-AB86-63451B5EB259}"/>
+              </a:ext>
+            </a:extLst>
+          </p:cNvPr>
+          <p:cNvSpPr txBox="1"/>
+          <p:nvPr/>
+        </p:nvSpPr>
+        <p:spPr>
+          <a:xfrm>
+            <a:off x="2401792" y="1612346"/>
+            <a:ext cx="1630575" cy="369332"/>
+          </a:xfrm>
+          <a:prstGeom prst="rect">
+            <a:avLst/>
+          </a:prstGeom>
+          <a:noFill/>
+        </p:spPr>
+        <p:txBody>
+          <a:bodyPr wrap="none" rtlCol="0">
+            <a:spAutoFit/>
+          </a:bodyPr>
+          <a:lstStyle/>
+          <a:p>
+            <a:r>
+              <a:rPr lang="en-US" altLang="zh-CN" dirty="0"/>
+              <a:t>Exact methods</a:t>
+            </a:r>
+            <a:endParaRPr lang="zh-CN" altLang="en-US" dirty="0"/>
+          </a:p>
+        </p:txBody>
+      </p:sp>
+      <p:cxnSp>
+        <p:nvCxnSpPr>
+          <p:cNvPr id="14" name="直接箭头连接符 13">
+            <a:extLst>
+              <a:ext uri="{FF2B5EF4-FFF2-40B4-BE49-F238E27FC236}">
+                <a16:creationId xmlns:a16="http://schemas.microsoft.com/office/drawing/2014/main" id="{5199EB2B-F807-4D12-9D85-0541CE16F152}"/>
+              </a:ext>
+            </a:extLst>
+          </p:cNvPr>
+          <p:cNvCxnSpPr>
+            <a:stCxn id="12" idx="2"/>
+          </p:cNvCxnSpPr>
+          <p:nvPr/>
+        </p:nvCxnSpPr>
+        <p:spPr>
+          <a:xfrm flipH="1">
+            <a:off x="792942" y="1981678"/>
+            <a:ext cx="2424138" cy="651946"/>
+          </a:xfrm>
+          <a:prstGeom prst="straightConnector1">
+            <a:avLst/>
+          </a:prstGeom>
+          <a:ln>
+            <a:tailEnd type="triangle"/>
+          </a:ln>
+        </p:spPr>
+        <p:style>
+          <a:lnRef idx="1">
+            <a:schemeClr val="dk1"/>
+          </a:lnRef>
+          <a:fillRef idx="0">
+            <a:schemeClr val="dk1"/>
+          </a:fillRef>
+          <a:effectRef idx="0">
+            <a:schemeClr val="dk1"/>
+          </a:effectRef>
+          <a:fontRef idx="minor">
+            <a:schemeClr val="tx1"/>
+          </a:fontRef>
+        </p:style>
+      </p:cxnSp>
+      <p:cxnSp>
+        <p:nvCxnSpPr>
+          <p:cNvPr id="16" name="直接箭头连接符 15">
+            <a:extLst>
+              <a:ext uri="{FF2B5EF4-FFF2-40B4-BE49-F238E27FC236}">
+                <a16:creationId xmlns:a16="http://schemas.microsoft.com/office/drawing/2014/main" id="{01E45115-87AA-4897-9AFF-D34415B1DA44}"/>
+              </a:ext>
+            </a:extLst>
+          </p:cNvPr>
+          <p:cNvCxnSpPr>
+            <a:cxnSpLocks/>
+            <a:stCxn id="12" idx="2"/>
+          </p:cNvCxnSpPr>
+          <p:nvPr/>
+        </p:nvCxnSpPr>
+        <p:spPr>
+          <a:xfrm flipH="1">
+            <a:off x="2818019" y="1981678"/>
+            <a:ext cx="399061" cy="651946"/>
+          </a:xfrm>
+          <a:prstGeom prst="straightConnector1">
+            <a:avLst/>
+          </a:prstGeom>
+          <a:ln>
+            <a:tailEnd type="triangle"/>
+          </a:ln>
+        </p:spPr>
+        <p:style>
+          <a:lnRef idx="1">
+            <a:schemeClr val="dk1"/>
+          </a:lnRef>
+          <a:fillRef idx="0">
+            <a:schemeClr val="dk1"/>
+          </a:fillRef>
+          <a:effectRef idx="0">
+            <a:schemeClr val="dk1"/>
+          </a:effectRef>
+          <a:fontRef idx="minor">
+            <a:schemeClr val="tx1"/>
+          </a:fontRef>
+        </p:style>
+      </p:cxnSp>
+      <p:cxnSp>
+        <p:nvCxnSpPr>
+          <p:cNvPr id="18" name="直接箭头连接符 17">
+            <a:extLst>
+              <a:ext uri="{FF2B5EF4-FFF2-40B4-BE49-F238E27FC236}">
+                <a16:creationId xmlns:a16="http://schemas.microsoft.com/office/drawing/2014/main" id="{A77F06CD-8795-4C3A-8E22-1CF201B619FC}"/>
+              </a:ext>
+            </a:extLst>
+          </p:cNvPr>
+          <p:cNvCxnSpPr>
+            <a:cxnSpLocks/>
+            <a:stCxn id="12" idx="2"/>
+          </p:cNvCxnSpPr>
+          <p:nvPr/>
+        </p:nvCxnSpPr>
+        <p:spPr>
+          <a:xfrm>
+            <a:off x="3217080" y="1981678"/>
+            <a:ext cx="1463204" cy="651946"/>
+          </a:xfrm>
+          <a:prstGeom prst="straightConnector1">
+            <a:avLst/>
+          </a:prstGeom>
+          <a:ln>
+            <a:tailEnd type="triangle"/>
+          </a:ln>
+        </p:spPr>
+        <p:style>
+          <a:lnRef idx="1">
+            <a:schemeClr val="dk1"/>
+          </a:lnRef>
+          <a:fillRef idx="0">
+            <a:schemeClr val="dk1"/>
+          </a:fillRef>
+          <a:effectRef idx="0">
+            <a:schemeClr val="dk1"/>
+          </a:effectRef>
+          <a:fontRef idx="minor">
+            <a:schemeClr val="tx1"/>
+          </a:fontRef>
+        </p:style>
+      </p:cxnSp>
+      <p:sp>
+        <p:nvSpPr>
+          <p:cNvPr id="30" name="文本框 29">
+            <a:extLst>
+              <a:ext uri="{FF2B5EF4-FFF2-40B4-BE49-F238E27FC236}">
+                <a16:creationId xmlns:a16="http://schemas.microsoft.com/office/drawing/2014/main" id="{EBEEF6D3-9EA0-4F88-BA40-1ABF38E7E045}"/>
+              </a:ext>
+            </a:extLst>
+          </p:cNvPr>
+          <p:cNvSpPr txBox="1"/>
+          <p:nvPr/>
+        </p:nvSpPr>
+        <p:spPr>
+          <a:xfrm>
+            <a:off x="3889305" y="2692141"/>
+            <a:ext cx="1555234" cy="646331"/>
+          </a:xfrm>
+          <a:prstGeom prst="rect">
+            <a:avLst/>
+          </a:prstGeom>
+          <a:noFill/>
+        </p:spPr>
+        <p:txBody>
+          <a:bodyPr wrap="none" rtlCol="0">
+            <a:spAutoFit/>
+          </a:bodyPr>
+          <a:lstStyle/>
+          <a:p>
+            <a:pPr algn="ctr"/>
+            <a:r>
+              <a:rPr lang="en-US" altLang="zh-CN" dirty="0"/>
+              <a:t>Dynamic</a:t>
+            </a:r>
+          </a:p>
+          <a:p>
+            <a:pPr algn="ctr"/>
+            <a:r>
+              <a:rPr lang="en-US" altLang="zh-CN" dirty="0"/>
+              <a:t>programming</a:t>
+            </a:r>
+            <a:endParaRPr lang="zh-CN" altLang="en-US" dirty="0"/>
+          </a:p>
+        </p:txBody>
+      </p:sp>
+      <p:sp>
+        <p:nvSpPr>
+          <p:cNvPr id="31" name="文本框 30">
+            <a:extLst>
+              <a:ext uri="{FF2B5EF4-FFF2-40B4-BE49-F238E27FC236}">
+                <a16:creationId xmlns:a16="http://schemas.microsoft.com/office/drawing/2014/main" id="{0B496603-7B18-47AC-B260-D355C14D03E6}"/>
+              </a:ext>
+            </a:extLst>
+          </p:cNvPr>
+          <p:cNvSpPr txBox="1"/>
+          <p:nvPr/>
+        </p:nvSpPr>
+        <p:spPr>
+          <a:xfrm>
+            <a:off x="2040402" y="2691665"/>
+            <a:ext cx="1555234" cy="646331"/>
+          </a:xfrm>
+          <a:prstGeom prst="rect">
+            <a:avLst/>
+          </a:prstGeom>
+          <a:noFill/>
+        </p:spPr>
+        <p:txBody>
+          <a:bodyPr wrap="none" rtlCol="0">
+            <a:spAutoFit/>
+          </a:bodyPr>
+          <a:lstStyle/>
+          <a:p>
+            <a:pPr algn="ctr"/>
+            <a:r>
+              <a:rPr lang="en-US" altLang="zh-CN" dirty="0"/>
+              <a:t>Constraint</a:t>
+            </a:r>
+          </a:p>
+          <a:p>
+            <a:pPr algn="ctr"/>
+            <a:r>
+              <a:rPr lang="en-US" altLang="zh-CN" dirty="0"/>
+              <a:t>programming</a:t>
+            </a:r>
+            <a:endParaRPr lang="zh-CN" altLang="en-US" dirty="0"/>
+          </a:p>
+        </p:txBody>
+      </p:sp>
+      <p:sp>
+        <p:nvSpPr>
+          <p:cNvPr id="47" name="文本框 46">
+            <a:extLst>
+              <a:ext uri="{FF2B5EF4-FFF2-40B4-BE49-F238E27FC236}">
+                <a16:creationId xmlns:a16="http://schemas.microsoft.com/office/drawing/2014/main" id="{769DAE62-E943-4936-A2FE-EC5A5EA2DEC9}"/>
+              </a:ext>
+            </a:extLst>
+          </p:cNvPr>
+          <p:cNvSpPr txBox="1"/>
+          <p:nvPr/>
+        </p:nvSpPr>
+        <p:spPr>
+          <a:xfrm>
+            <a:off x="84830" y="2692141"/>
+            <a:ext cx="1497526" cy="369332"/>
+          </a:xfrm>
+          <a:prstGeom prst="rect">
+            <a:avLst/>
+          </a:prstGeom>
+          <a:noFill/>
+        </p:spPr>
+        <p:txBody>
+          <a:bodyPr wrap="none" rtlCol="0">
+            <a:spAutoFit/>
+          </a:bodyPr>
+          <a:lstStyle/>
+          <a:p>
+            <a:pPr algn="ctr"/>
+            <a:r>
+              <a:rPr lang="en-US" altLang="zh-CN" dirty="0"/>
+              <a:t>Branch and</a:t>
+            </a:r>
+            <a:r>
+              <a:rPr lang="zh-CN" altLang="en-US" dirty="0"/>
+              <a:t> </a:t>
+            </a:r>
+            <a:r>
+              <a:rPr lang="en-US" altLang="zh-CN" dirty="0"/>
+              <a:t>X</a:t>
+            </a:r>
+          </a:p>
+        </p:txBody>
+      </p:sp>
+      <p:cxnSp>
+        <p:nvCxnSpPr>
+          <p:cNvPr id="49" name="直接箭头连接符 48">
+            <a:extLst>
+              <a:ext uri="{FF2B5EF4-FFF2-40B4-BE49-F238E27FC236}">
+                <a16:creationId xmlns:a16="http://schemas.microsoft.com/office/drawing/2014/main" id="{40219A9E-E998-4374-A1C6-8F5E0A5EEE12}"/>
+              </a:ext>
+            </a:extLst>
+          </p:cNvPr>
+          <p:cNvCxnSpPr>
+            <a:cxnSpLocks/>
+            <a:stCxn id="47" idx="2"/>
+            <a:endCxn id="56" idx="0"/>
+          </p:cNvCxnSpPr>
+          <p:nvPr/>
+        </p:nvCxnSpPr>
+        <p:spPr>
+          <a:xfrm flipH="1">
+            <a:off x="700286" y="3061473"/>
+            <a:ext cx="133307" cy="1196262"/>
+          </a:xfrm>
+          <a:prstGeom prst="straightConnector1">
+            <a:avLst/>
+          </a:prstGeom>
+          <a:ln>
+            <a:tailEnd type="triangle"/>
+          </a:ln>
+        </p:spPr>
+        <p:style>
+          <a:lnRef idx="1">
+            <a:schemeClr val="dk1"/>
+          </a:lnRef>
+          <a:fillRef idx="0">
+            <a:schemeClr val="dk1"/>
+          </a:fillRef>
+          <a:effectRef idx="0">
+            <a:schemeClr val="dk1"/>
+          </a:effectRef>
+          <a:fontRef idx="minor">
+            <a:schemeClr val="tx1"/>
+          </a:fontRef>
+        </p:style>
+      </p:cxnSp>
+      <p:cxnSp>
+        <p:nvCxnSpPr>
+          <p:cNvPr id="51" name="直接箭头连接符 50">
+            <a:extLst>
+              <a:ext uri="{FF2B5EF4-FFF2-40B4-BE49-F238E27FC236}">
+                <a16:creationId xmlns:a16="http://schemas.microsoft.com/office/drawing/2014/main" id="{FE2A844F-6997-49A1-9F6E-26312D0DB826}"/>
+              </a:ext>
+            </a:extLst>
+          </p:cNvPr>
+          <p:cNvCxnSpPr>
+            <a:cxnSpLocks/>
+            <a:stCxn id="47" idx="2"/>
+            <a:endCxn id="57" idx="0"/>
+          </p:cNvCxnSpPr>
+          <p:nvPr/>
+        </p:nvCxnSpPr>
+        <p:spPr>
+          <a:xfrm>
+            <a:off x="833593" y="3061473"/>
+            <a:ext cx="1152336" cy="1196262"/>
+          </a:xfrm>
+          <a:prstGeom prst="straightConnector1">
+            <a:avLst/>
+          </a:prstGeom>
+          <a:ln>
+            <a:tailEnd type="triangle"/>
+          </a:ln>
+        </p:spPr>
+        <p:style>
+          <a:lnRef idx="1">
+            <a:schemeClr val="dk1"/>
+          </a:lnRef>
+          <a:fillRef idx="0">
+            <a:schemeClr val="dk1"/>
+          </a:fillRef>
+          <a:effectRef idx="0">
+            <a:schemeClr val="dk1"/>
+          </a:effectRef>
+          <a:fontRef idx="minor">
+            <a:schemeClr val="tx1"/>
+          </a:fontRef>
+        </p:style>
+      </p:cxnSp>
+      <p:cxnSp>
+        <p:nvCxnSpPr>
+          <p:cNvPr id="55" name="直接箭头连接符 54">
+            <a:extLst>
+              <a:ext uri="{FF2B5EF4-FFF2-40B4-BE49-F238E27FC236}">
+                <a16:creationId xmlns:a16="http://schemas.microsoft.com/office/drawing/2014/main" id="{34B07305-D1BF-40F5-AC1B-4D575508CC9A}"/>
+              </a:ext>
+            </a:extLst>
+          </p:cNvPr>
+          <p:cNvCxnSpPr>
+            <a:cxnSpLocks/>
+            <a:stCxn id="47" idx="2"/>
+            <a:endCxn id="58" idx="0"/>
+          </p:cNvCxnSpPr>
+          <p:nvPr/>
+        </p:nvCxnSpPr>
+        <p:spPr>
+          <a:xfrm>
+            <a:off x="833593" y="3061473"/>
+            <a:ext cx="2471515" cy="1196262"/>
+          </a:xfrm>
+          <a:prstGeom prst="straightConnector1">
+            <a:avLst/>
+          </a:prstGeom>
+          <a:ln>
+            <a:tailEnd type="triangle"/>
+          </a:ln>
+        </p:spPr>
+        <p:style>
+          <a:lnRef idx="1">
+            <a:schemeClr val="dk1"/>
+          </a:lnRef>
+          <a:fillRef idx="0">
+            <a:schemeClr val="dk1"/>
+          </a:fillRef>
+          <a:effectRef idx="0">
+            <a:schemeClr val="dk1"/>
+          </a:effectRef>
+          <a:fontRef idx="minor">
+            <a:schemeClr val="tx1"/>
+          </a:fontRef>
+        </p:style>
+      </p:cxnSp>
+      <p:sp>
+        <p:nvSpPr>
+          <p:cNvPr id="56" name="文本框 55">
+            <a:extLst>
+              <a:ext uri="{FF2B5EF4-FFF2-40B4-BE49-F238E27FC236}">
+                <a16:creationId xmlns:a16="http://schemas.microsoft.com/office/drawing/2014/main" id="{CC4CDAF4-1E58-4E59-918B-8688E33D1E68}"/>
+              </a:ext>
+            </a:extLst>
+          </p:cNvPr>
+          <p:cNvSpPr txBox="1"/>
+          <p:nvPr/>
+        </p:nvSpPr>
+        <p:spPr>
+          <a:xfrm>
+            <a:off x="18048" y="4257735"/>
+            <a:ext cx="1364476" cy="646331"/>
+          </a:xfrm>
+          <a:prstGeom prst="rect">
+            <a:avLst/>
+          </a:prstGeom>
+          <a:noFill/>
+        </p:spPr>
+        <p:txBody>
+          <a:bodyPr wrap="none" rtlCol="0">
+            <a:spAutoFit/>
+          </a:bodyPr>
+          <a:lstStyle/>
+          <a:p>
+            <a:pPr algn="ctr"/>
+            <a:r>
+              <a:rPr lang="en-US" altLang="zh-CN" dirty="0"/>
+              <a:t>Branch and</a:t>
+            </a:r>
+            <a:r>
+              <a:rPr lang="zh-CN" altLang="en-US" dirty="0"/>
+              <a:t> </a:t>
+            </a:r>
+            <a:endParaRPr lang="en-US" altLang="zh-CN" dirty="0"/>
+          </a:p>
+          <a:p>
+            <a:pPr algn="ctr"/>
+            <a:r>
+              <a:rPr lang="en-US" altLang="zh-CN" dirty="0"/>
+              <a:t>bound</a:t>
+            </a:r>
+          </a:p>
+        </p:txBody>
+      </p:sp>
+      <p:sp>
+        <p:nvSpPr>
+          <p:cNvPr id="57" name="文本框 56">
+            <a:extLst>
+              <a:ext uri="{FF2B5EF4-FFF2-40B4-BE49-F238E27FC236}">
+                <a16:creationId xmlns:a16="http://schemas.microsoft.com/office/drawing/2014/main" id="{F002F3F5-50EE-4D19-9125-66488D57598E}"/>
+              </a:ext>
+            </a:extLst>
+          </p:cNvPr>
+          <p:cNvSpPr txBox="1"/>
+          <p:nvPr/>
+        </p:nvSpPr>
+        <p:spPr>
+          <a:xfrm>
+            <a:off x="1303691" y="4257735"/>
+            <a:ext cx="1364476" cy="646331"/>
+          </a:xfrm>
+          <a:prstGeom prst="rect">
+            <a:avLst/>
+          </a:prstGeom>
+          <a:noFill/>
+        </p:spPr>
+        <p:txBody>
+          <a:bodyPr wrap="none" rtlCol="0">
+            <a:spAutoFit/>
+          </a:bodyPr>
+          <a:lstStyle/>
+          <a:p>
+            <a:pPr algn="ctr"/>
+            <a:r>
+              <a:rPr lang="en-US" altLang="zh-CN" dirty="0"/>
+              <a:t>Branch and</a:t>
+            </a:r>
+            <a:r>
+              <a:rPr lang="zh-CN" altLang="en-US" dirty="0"/>
+              <a:t> </a:t>
+            </a:r>
+            <a:endParaRPr lang="en-US" altLang="zh-CN" dirty="0"/>
+          </a:p>
+          <a:p>
+            <a:pPr algn="ctr"/>
+            <a:r>
+              <a:rPr lang="en-US" altLang="zh-CN" dirty="0"/>
+              <a:t>cut</a:t>
+            </a:r>
+          </a:p>
+        </p:txBody>
+      </p:sp>
+      <p:sp>
+        <p:nvSpPr>
+          <p:cNvPr id="58" name="文本框 57">
+            <a:extLst>
+              <a:ext uri="{FF2B5EF4-FFF2-40B4-BE49-F238E27FC236}">
+                <a16:creationId xmlns:a16="http://schemas.microsoft.com/office/drawing/2014/main" id="{9DAD9F0D-B97A-48FA-BDA2-294685D64613}"/>
+              </a:ext>
+            </a:extLst>
+          </p:cNvPr>
+          <p:cNvSpPr txBox="1"/>
+          <p:nvPr/>
+        </p:nvSpPr>
+        <p:spPr>
+          <a:xfrm>
+            <a:off x="2622870" y="4257735"/>
+            <a:ext cx="1364476" cy="646331"/>
+          </a:xfrm>
+          <a:prstGeom prst="rect">
+            <a:avLst/>
+          </a:prstGeom>
+          <a:noFill/>
+        </p:spPr>
+        <p:txBody>
+          <a:bodyPr wrap="none" rtlCol="0">
+            <a:spAutoFit/>
+          </a:bodyPr>
+          <a:lstStyle/>
+          <a:p>
+            <a:pPr algn="ctr"/>
+            <a:r>
+              <a:rPr lang="en-US" altLang="zh-CN" dirty="0"/>
+              <a:t>Branch and</a:t>
+            </a:r>
+            <a:r>
+              <a:rPr lang="zh-CN" altLang="en-US" dirty="0"/>
+              <a:t> </a:t>
+            </a:r>
+            <a:endParaRPr lang="en-US" altLang="zh-CN" dirty="0"/>
+          </a:p>
+          <a:p>
+            <a:pPr algn="ctr"/>
+            <a:r>
+              <a:rPr lang="en-US" altLang="zh-CN" dirty="0"/>
+              <a:t>price</a:t>
+            </a:r>
+          </a:p>
+        </p:txBody>
+      </p:sp>
+    </p:spTree>
+    <p:extLst>
+      <p:ext uri="{BB962C8B-B14F-4D97-AF65-F5344CB8AC3E}">
+        <p14:creationId xmlns:p14="http://schemas.microsoft.com/office/powerpoint/2010/main" val="3268015626"/>
+      </p:ext>
+    </p:extLst>
+  </p:cSld>
+  <p:clrMapOvr>
+    <a:masterClrMapping/>
+  </p:clrMapOvr>
+</p:sld>
+</file>
+
+<file path=ppt/slides/slide4.xml><?xml version="1.0" encoding="utf-8"?>
+<p:sld xmlns:a="http://schemas.openxmlformats.org/drawingml/2006/main" xmlns:r="http://schemas.openxmlformats.org/officeDocument/2006/relationships" xmlns:p="http://schemas.openxmlformats.org/presentationml/2006/main">
+  <p:cSld>
+    <p:spTree>
+      <p:nvGrpSpPr>
+        <p:cNvPr id="1" name=""/>
+        <p:cNvGrpSpPr/>
+        <p:nvPr/>
+      </p:nvGrpSpPr>
+      <p:grpSpPr>
+        <a:xfrm>
+          <a:off x="0" y="0"/>
+          <a:ext cx="0" cy="0"/>
+          <a:chOff x="0" y="0"/>
+          <a:chExt cx="0" cy="0"/>
+        </a:xfrm>
+      </p:grpSpPr>
+      <p:sp>
+        <p:nvSpPr>
+          <p:cNvPr id="4" name="矩形 3">
+            <a:extLst>
+              <a:ext uri="{FF2B5EF4-FFF2-40B4-BE49-F238E27FC236}">
+                <a16:creationId xmlns:a16="http://schemas.microsoft.com/office/drawing/2014/main" id="{E08F3FD3-EF79-4690-954B-76AD1A869D91}"/>
+              </a:ext>
+            </a:extLst>
+          </p:cNvPr>
+          <p:cNvSpPr/>
+          <p:nvPr/>
+        </p:nvSpPr>
+        <p:spPr>
+          <a:xfrm>
+            <a:off x="2374127" y="631679"/>
+            <a:ext cx="7237879" cy="923330"/>
+          </a:xfrm>
+          <a:prstGeom prst="rect">
+            <a:avLst/>
+          </a:prstGeom>
+          <a:noFill/>
+        </p:spPr>
+        <p:txBody>
+          <a:bodyPr wrap="none" lIns="91440" tIns="45720" rIns="91440" bIns="45720">
+            <a:spAutoFit/>
+          </a:bodyPr>
+          <a:lstStyle/>
+          <a:p>
+            <a:pPr algn="ctr"/>
+            <a:r>
+              <a:rPr lang="en-US" altLang="zh-CN" sz="5400" b="1" cap="none" spc="0" dirty="0">
+                <a:ln w="22225">
+                  <a:solidFill>
+                    <a:schemeClr val="accent2"/>
+                  </a:solidFill>
+                  <a:prstDash val="solid"/>
+                </a:ln>
+                <a:solidFill>
+                  <a:schemeClr val="accent2">
+                    <a:lumMod val="40000"/>
+                    <a:lumOff val="60000"/>
+                  </a:schemeClr>
+                </a:solidFill>
+                <a:effectLst/>
+              </a:rPr>
+              <a:t>Optimization methods</a:t>
+            </a:r>
+            <a:endParaRPr lang="zh-CN" altLang="en-US" sz="5400" b="1" cap="none" spc="0" dirty="0">
+              <a:ln w="22225">
+                <a:solidFill>
+                  <a:schemeClr val="accent2"/>
+                </a:solidFill>
+                <a:prstDash val="solid"/>
+              </a:ln>
+              <a:solidFill>
+                <a:schemeClr val="accent2">
+                  <a:lumMod val="40000"/>
+                  <a:lumOff val="60000"/>
+                </a:schemeClr>
+              </a:solidFill>
+              <a:effectLst/>
+            </a:endParaRPr>
+          </a:p>
+        </p:txBody>
+      </p:sp>
+      <p:sp>
+        <p:nvSpPr>
+          <p:cNvPr id="6" name="矩形 5">
+            <a:extLst>
+              <a:ext uri="{FF2B5EF4-FFF2-40B4-BE49-F238E27FC236}">
+                <a16:creationId xmlns:a16="http://schemas.microsoft.com/office/drawing/2014/main" id="{651FE5DC-F8B2-47F8-AAA2-EC90EACFB148}"/>
+              </a:ext>
+            </a:extLst>
+          </p:cNvPr>
+          <p:cNvSpPr/>
+          <p:nvPr/>
+        </p:nvSpPr>
+        <p:spPr>
+          <a:xfrm>
+            <a:off x="1138541" y="3209519"/>
+            <a:ext cx="3930884" cy="769441"/>
+          </a:xfrm>
+          <a:prstGeom prst="rect">
+            <a:avLst/>
+          </a:prstGeom>
+          <a:noFill/>
+        </p:spPr>
+        <p:txBody>
+          <a:bodyPr wrap="none" lIns="91440" tIns="45720" rIns="91440" bIns="45720">
+            <a:spAutoFit/>
+          </a:bodyPr>
+          <a:lstStyle/>
+          <a:p>
+            <a:r>
+              <a:rPr lang="en-US" altLang="zh-CN" sz="4400" b="1" dirty="0">
+                <a:ln w="13462">
+                  <a:solidFill>
+                    <a:schemeClr val="bg1"/>
+                  </a:solidFill>
+                  <a:prstDash val="solid"/>
+                </a:ln>
+                <a:solidFill>
+                  <a:schemeClr val="tx1">
+                    <a:lumMod val="85000"/>
+                    <a:lumOff val="15000"/>
+                  </a:schemeClr>
+                </a:solidFill>
+                <a:effectLst>
+                  <a:outerShdw dist="38100" dir="2700000" algn="bl" rotWithShape="0">
+                    <a:schemeClr val="accent5"/>
+                  </a:outerShdw>
+                </a:effectLst>
+              </a:rPr>
+              <a:t>Exact methods</a:t>
+            </a:r>
+            <a:endParaRPr lang="zh-CN" altLang="en-US" sz="4400" b="1" dirty="0">
+              <a:ln w="13462">
+                <a:solidFill>
+                  <a:schemeClr val="bg1"/>
+                </a:solidFill>
+                <a:prstDash val="solid"/>
+              </a:ln>
+              <a:solidFill>
+                <a:schemeClr val="tx1">
+                  <a:lumMod val="85000"/>
+                  <a:lumOff val="15000"/>
+                </a:schemeClr>
+              </a:solidFill>
+              <a:effectLst>
+                <a:outerShdw dist="38100" dir="2700000" algn="bl" rotWithShape="0">
+                  <a:schemeClr val="accent5"/>
+                </a:outerShdw>
+              </a:effectLst>
+            </a:endParaRPr>
+          </a:p>
+        </p:txBody>
+      </p:sp>
+      <p:sp>
+        <p:nvSpPr>
+          <p:cNvPr id="8" name="矩形 7">
+            <a:extLst>
+              <a:ext uri="{FF2B5EF4-FFF2-40B4-BE49-F238E27FC236}">
+                <a16:creationId xmlns:a16="http://schemas.microsoft.com/office/drawing/2014/main" id="{F6004379-2DFA-4F0A-BE7F-CB4BA93FABD9}"/>
+              </a:ext>
+            </a:extLst>
+          </p:cNvPr>
+          <p:cNvSpPr/>
+          <p:nvPr/>
+        </p:nvSpPr>
+        <p:spPr>
+          <a:xfrm>
+            <a:off x="6096000" y="3209519"/>
+            <a:ext cx="5923416" cy="769441"/>
+          </a:xfrm>
+          <a:prstGeom prst="rect">
+            <a:avLst/>
+          </a:prstGeom>
+          <a:noFill/>
+        </p:spPr>
+        <p:txBody>
+          <a:bodyPr wrap="none" lIns="91440" tIns="45720" rIns="91440" bIns="45720">
+            <a:spAutoFit/>
+          </a:bodyPr>
+          <a:lstStyle/>
+          <a:p>
+            <a:r>
+              <a:rPr lang="en-US" altLang="zh-CN" sz="4400" b="1" dirty="0">
+                <a:ln w="12700" cmpd="sng">
+                  <a:solidFill>
+                    <a:schemeClr val="accent4"/>
+                  </a:solidFill>
+                  <a:prstDash val="solid"/>
+                </a:ln>
+                <a:gradFill>
+                  <a:gsLst>
+                    <a:gs pos="0">
+                      <a:schemeClr val="accent4"/>
+                    </a:gs>
+                    <a:gs pos="4000">
+                      <a:schemeClr val="accent4">
+                        <a:lumMod val="60000"/>
+                        <a:lumOff val="40000"/>
+                      </a:schemeClr>
+                    </a:gs>
+                    <a:gs pos="87000">
+                      <a:schemeClr val="accent4">
+                        <a:lumMod val="20000"/>
+                        <a:lumOff val="80000"/>
+                      </a:schemeClr>
+                    </a:gs>
+                  </a:gsLst>
+                  <a:lin ang="5400000"/>
+                </a:gradFill>
+              </a:rPr>
+              <a:t>Approximate methods</a:t>
+            </a:r>
+            <a:endParaRPr lang="zh-CN" altLang="en-US" sz="4400" b="1" dirty="0">
+              <a:ln w="12700" cmpd="sng">
+                <a:solidFill>
+                  <a:schemeClr val="accent4"/>
+                </a:solidFill>
+                <a:prstDash val="solid"/>
+              </a:ln>
+              <a:gradFill>
+                <a:gsLst>
+                  <a:gs pos="0">
+                    <a:schemeClr val="accent4"/>
+                  </a:gs>
+                  <a:gs pos="4000">
+                    <a:schemeClr val="accent4">
+                      <a:lumMod val="60000"/>
+                      <a:lumOff val="40000"/>
+                    </a:schemeClr>
+                  </a:gs>
+                  <a:gs pos="87000">
+                    <a:schemeClr val="accent4">
+                      <a:lumMod val="20000"/>
+                      <a:lumOff val="80000"/>
+                    </a:schemeClr>
+                  </a:gs>
+                </a:gsLst>
+                <a:lin ang="5400000"/>
+              </a:gradFill>
+            </a:endParaRPr>
+          </a:p>
+        </p:txBody>
+      </p:sp>
+      <p:sp>
+        <p:nvSpPr>
+          <p:cNvPr id="9" name="箭头: 直角双向 8">
+            <a:extLst>
+              <a:ext uri="{FF2B5EF4-FFF2-40B4-BE49-F238E27FC236}">
+                <a16:creationId xmlns:a16="http://schemas.microsoft.com/office/drawing/2014/main" id="{279B2376-85D8-443E-8167-86581FB1AA77}"/>
+              </a:ext>
+            </a:extLst>
+          </p:cNvPr>
+          <p:cNvSpPr/>
+          <p:nvPr/>
+        </p:nvSpPr>
+        <p:spPr>
+          <a:xfrm rot="13489885">
+            <a:off x="4787183" y="1761263"/>
+            <a:ext cx="1979971" cy="1914850"/>
+          </a:xfrm>
+          <a:prstGeom prst="leftUpArrow">
+            <a:avLst/>
+          </a:prstGeom>
+        </p:spPr>
+        <p:style>
+          <a:lnRef idx="2">
+            <a:schemeClr val="accent1">
+              <a:shade val="50000"/>
+            </a:schemeClr>
+          </a:lnRef>
+          <a:fillRef idx="1">
+            <a:schemeClr val="accent1"/>
+          </a:fillRef>
+          <a:effectRef idx="0">
+            <a:schemeClr val="accent1"/>
+          </a:effectRef>
+          <a:fontRef idx="minor">
+            <a:schemeClr val="lt1"/>
+          </a:fontRef>
+        </p:style>
+        <p:txBody>
+          <a:bodyPr rtlCol="0" anchor="ctr"/>
+          <a:lstStyle/>
+          <a:p>
+            <a:pPr algn="ctr"/>
+            <a:endParaRPr lang="zh-CN" altLang="en-US"/>
+          </a:p>
+        </p:txBody>
+      </p:sp>
+    </p:spTree>
+    <p:extLst>
+      <p:ext uri="{BB962C8B-B14F-4D97-AF65-F5344CB8AC3E}">
+        <p14:creationId xmlns:p14="http://schemas.microsoft.com/office/powerpoint/2010/main" val="2697800712"/>
       </p:ext>
     </p:extLst>
   </p:cSld>
